--- a/CYOA_nimbifer.pptx
+++ b/CYOA_nimbifer.pptx
@@ -785,58 +785,11 @@
           <a:p>
             <a:r>
               <a:rPr lang="en-US" dirty="0"/>
-              <a:t>Consider talking about:</a:t>
-            </a:r>
-          </a:p>
-          <a:p>
-            <a:pPr marL="171450" indent="-171450">
-              <a:buFont typeface="Arial" panose="020B0604020202020204" pitchFamily="34" charset="0"/>
-              <a:buChar char="•"/>
-            </a:pPr>
-            <a:r>
-              <a:rPr lang="en-US" dirty="0"/>
-              <a:t>Puzzle-solving</a:t>
-            </a:r>
-          </a:p>
-          <a:p>
-            <a:pPr marL="171450" indent="-171450">
-              <a:buFont typeface="Arial" panose="020B0604020202020204" pitchFamily="34" charset="0"/>
-              <a:buChar char="•"/>
-            </a:pPr>
-            <a:r>
-              <a:rPr lang="en-US" dirty="0"/>
-              <a:t>Gathering and using items</a:t>
-            </a:r>
-          </a:p>
-          <a:p>
-            <a:pPr marL="171450" indent="-171450">
-              <a:buFont typeface="Arial" panose="020B0604020202020204" pitchFamily="34" charset="0"/>
-              <a:buChar char="•"/>
-            </a:pPr>
-            <a:r>
-              <a:rPr lang="en-US" dirty="0"/>
-              <a:t>Story, setting, and themes</a:t>
-            </a:r>
-          </a:p>
-          <a:p>
-            <a:pPr marL="171450" indent="-171450">
-              <a:buFont typeface="Arial" panose="020B0604020202020204" pitchFamily="34" charset="0"/>
-              <a:buChar char="•"/>
-            </a:pPr>
-            <a:r>
-              <a:rPr lang="en-US" dirty="0"/>
-              <a:t>Dialogue and conversation trees</a:t>
-            </a:r>
-          </a:p>
-          <a:p>
-            <a:pPr marL="171450" indent="-171450">
-              <a:buFont typeface="Arial" panose="020B0604020202020204" pitchFamily="34" charset="0"/>
-              <a:buChar char="•"/>
-            </a:pPr>
-            <a:r>
-              <a:rPr lang="en-US" dirty="0"/>
-              <a:t>Goals, success and failure</a:t>
-            </a:r>
+              <a:t>DRY – methods </a:t>
+            </a:r>
+          </a:p>
+          <a:p>
+            <a:endParaRPr lang="en-US" dirty="0"/>
           </a:p>
         </p:txBody>
       </p:sp>
@@ -5573,6 +5526,36 @@
           </a:p>
         </p:txBody>
       </p:sp>
+      <p:pic>
+        <p:nvPicPr>
+          <p:cNvPr id="5" name="Picture 4">
+            <a:extLst>
+              <a:ext uri="{FF2B5EF4-FFF2-40B4-BE49-F238E27FC236}">
+                <a16:creationId xmlns:a16="http://schemas.microsoft.com/office/drawing/2014/main" id="{D493E97E-CADE-1344-AC95-C265E876A1AF}"/>
+              </a:ext>
+            </a:extLst>
+          </p:cNvPr>
+          <p:cNvPicPr>
+            <a:picLocks noChangeAspect="1"/>
+          </p:cNvPicPr>
+          <p:nvPr/>
+        </p:nvPicPr>
+        <p:blipFill>
+          <a:blip r:embed="rId3"/>
+          <a:stretch>
+            <a:fillRect/>
+          </a:stretch>
+        </p:blipFill>
+        <p:spPr>
+          <a:xfrm>
+            <a:off x="10972005" y="5297199"/>
+            <a:ext cx="1016000" cy="1016000"/>
+          </a:xfrm>
+          <a:prstGeom prst="rect">
+            <a:avLst/>
+          </a:prstGeom>
+        </p:spPr>
+      </p:pic>
     </p:spTree>
     <p:extLst>
       <p:ext uri="{BB962C8B-B14F-4D97-AF65-F5344CB8AC3E}">
@@ -6752,7 +6735,7 @@
         <p:spPr>
           <a:xfrm>
             <a:off x="6927786" y="613720"/>
-            <a:ext cx="4490359" cy="4268965"/>
+            <a:ext cx="4901386" cy="4268965"/>
           </a:xfrm>
         </p:spPr>
         <p:txBody>
@@ -6767,13 +6750,18 @@
               </a:lnSpc>
             </a:pPr>
             <a:r>
-              <a:rPr lang="en-US" sz="4000" cap="all" dirty="0">
+              <a:rPr lang="en-US" sz="4000" cap="all" dirty="0" err="1">
                 <a:solidFill>
                   <a:schemeClr val="tx2"/>
                 </a:solidFill>
               </a:rPr>
-              <a:t>Control Flow</a:t>
-            </a:r>
+              <a:t>Control_Flow</a:t>
+            </a:r>
+            <a:endParaRPr lang="en-US" sz="4000" cap="all" dirty="0">
+              <a:solidFill>
+                <a:schemeClr val="tx2"/>
+              </a:solidFill>
+            </a:endParaRPr>
           </a:p>
         </p:txBody>
       </p:sp>
@@ -8142,7 +8130,7 @@
               </a:rPr>
             </a:br>
             <a:r>
-              <a:rPr lang="en-US" sz="6600" cap="all">
+              <a:rPr lang="en-US" sz="6600" cap="all" dirty="0" err="1">
                 <a:solidFill>
                   <a:schemeClr val="tx2"/>
                 </a:solidFill>

--- a/CYOA_nimbifer.pptx
+++ b/CYOA_nimbifer.pptx
@@ -5,7 +5,7 @@
     <p:sldMasterId id="2147483648" r:id="rId1"/>
   </p:sldMasterIdLst>
   <p:notesMasterIdLst>
-    <p:notesMasterId r:id="rId8"/>
+    <p:notesMasterId r:id="rId7"/>
   </p:notesMasterIdLst>
   <p:sldIdLst>
     <p:sldId id="258" r:id="rId2"/>
@@ -13,7 +13,6 @@
     <p:sldId id="260" r:id="rId4"/>
     <p:sldId id="261" r:id="rId5"/>
     <p:sldId id="262" r:id="rId6"/>
-    <p:sldId id="264" r:id="rId7"/>
   </p:sldIdLst>
   <p:sldSz cx="12192000" cy="6858000"/>
   <p:notesSz cx="6858000" cy="9144000"/>
@@ -686,20 +685,7 @@
           <a:bodyPr/>
           <a:lstStyle/>
           <a:p>
-            <a:r>
-              <a:rPr lang="en-US" dirty="0"/>
-              <a:t>Consider talking about:</a:t>
-            </a:r>
-          </a:p>
-          <a:p>
-            <a:pPr marL="171450" indent="-171450">
-              <a:buFont typeface="Arial" panose="020B0604020202020204" pitchFamily="34" charset="0"/>
-              <a:buChar char="•"/>
-            </a:pPr>
-            <a:r>
-              <a:rPr lang="en-US" dirty="0"/>
-              <a:t>Relationship to other genres</a:t>
-            </a:r>
+            <a:endParaRPr lang="en-US" dirty="0"/>
           </a:p>
         </p:txBody>
       </p:sp>
@@ -710,7 +696,7 @@
             <a:spLocks noGrp="1"/>
           </p:cNvSpPr>
           <p:nvPr>
-            <p:ph type="sldNum" sz="quarter" idx="10"/>
+            <p:ph type="sldNum" sz="quarter" idx="5"/>
           </p:nvPr>
         </p:nvSpPr>
         <p:spPr/>
@@ -720,7 +706,7 @@
           <a:p>
             <a:fld id="{E0746DE6-3336-457D-A091-FA20AC1C536E}" type="slidenum">
               <a:rPr lang="en-US" smtClean="0"/>
-              <a:t>3</a:t>
+              <a:t>2</a:t>
             </a:fld>
             <a:endParaRPr lang="en-US"/>
           </a:p>
@@ -729,7 +715,7 @@
     </p:spTree>
     <p:extLst>
       <p:ext uri="{BB962C8B-B14F-4D97-AF65-F5344CB8AC3E}">
-        <p14:creationId xmlns:p14="http://schemas.microsoft.com/office/powerpoint/2010/main" val="1606161886"/>
+        <p14:creationId xmlns:p14="http://schemas.microsoft.com/office/powerpoint/2010/main" val="1710840822"/>
       </p:ext>
     </p:extLst>
   </p:cSld>
@@ -785,6 +771,103 @@
           <a:p>
             <a:r>
               <a:rPr lang="en-US" dirty="0"/>
+              <a:t>Consider talking about:</a:t>
+            </a:r>
+          </a:p>
+          <a:p>
+            <a:pPr marL="171450" indent="-171450">
+              <a:buFont typeface="Arial" panose="020B0604020202020204" pitchFamily="34" charset="0"/>
+              <a:buChar char="•"/>
+            </a:pPr>
+            <a:r>
+              <a:rPr lang="en-US" dirty="0"/>
+              <a:t>Relationship to other genres</a:t>
+            </a:r>
+          </a:p>
+        </p:txBody>
+      </p:sp>
+      <p:sp>
+        <p:nvSpPr>
+          <p:cNvPr id="4" name="Slide Number Placeholder 3"/>
+          <p:cNvSpPr>
+            <a:spLocks noGrp="1"/>
+          </p:cNvSpPr>
+          <p:nvPr>
+            <p:ph type="sldNum" sz="quarter" idx="10"/>
+          </p:nvPr>
+        </p:nvSpPr>
+        <p:spPr/>
+        <p:txBody>
+          <a:bodyPr/>
+          <a:lstStyle/>
+          <a:p>
+            <a:fld id="{E0746DE6-3336-457D-A091-FA20AC1C536E}" type="slidenum">
+              <a:rPr lang="en-US" smtClean="0"/>
+              <a:t>3</a:t>
+            </a:fld>
+            <a:endParaRPr lang="en-US"/>
+          </a:p>
+        </p:txBody>
+      </p:sp>
+    </p:spTree>
+    <p:extLst>
+      <p:ext uri="{BB962C8B-B14F-4D97-AF65-F5344CB8AC3E}">
+        <p14:creationId xmlns:p14="http://schemas.microsoft.com/office/powerpoint/2010/main" val="1606161886"/>
+      </p:ext>
+    </p:extLst>
+  </p:cSld>
+  <p:clrMapOvr>
+    <a:masterClrMapping/>
+  </p:clrMapOvr>
+</p:notes>
+</file>
+
+<file path=ppt/notesSlides/notesSlide4.xml><?xml version="1.0" encoding="utf-8"?>
+<p:notes xmlns:a="http://schemas.openxmlformats.org/drawingml/2006/main" xmlns:r="http://schemas.openxmlformats.org/officeDocument/2006/relationships" xmlns:p="http://schemas.openxmlformats.org/presentationml/2006/main">
+  <p:cSld>
+    <p:spTree>
+      <p:nvGrpSpPr>
+        <p:cNvPr id="1" name=""/>
+        <p:cNvGrpSpPr/>
+        <p:nvPr/>
+      </p:nvGrpSpPr>
+      <p:grpSpPr>
+        <a:xfrm>
+          <a:off x="0" y="0"/>
+          <a:ext cx="0" cy="0"/>
+          <a:chOff x="0" y="0"/>
+          <a:chExt cx="0" cy="0"/>
+        </a:xfrm>
+      </p:grpSpPr>
+      <p:sp>
+        <p:nvSpPr>
+          <p:cNvPr id="2" name="Slide Image Placeholder 1"/>
+          <p:cNvSpPr>
+            <a:spLocks noGrp="1" noRot="1" noChangeAspect="1"/>
+          </p:cNvSpPr>
+          <p:nvPr>
+            <p:ph type="sldImg"/>
+          </p:nvPr>
+        </p:nvSpPr>
+        <p:spPr/>
+      </p:sp>
+      <p:sp>
+        <p:nvSpPr>
+          <p:cNvPr id="3" name="Notes Placeholder 2"/>
+          <p:cNvSpPr>
+            <a:spLocks noGrp="1"/>
+          </p:cNvSpPr>
+          <p:nvPr>
+            <p:ph type="body" idx="1"/>
+          </p:nvPr>
+        </p:nvSpPr>
+        <p:spPr/>
+        <p:txBody>
+          <a:bodyPr/>
+          <a:lstStyle/>
+          <a:p>
+            <a:r>
+              <a:rPr lang="en-US" dirty="0"/>
               <a:t>DRY – methods </a:t>
             </a:r>
           </a:p>
@@ -829,7 +912,7 @@
 </p:notes>
 </file>
 
-<file path=ppt/notesSlides/notesSlide4.xml><?xml version="1.0" encoding="utf-8"?>
+<file path=ppt/notesSlides/notesSlide5.xml><?xml version="1.0" encoding="utf-8"?>
 <p:notes xmlns:a="http://schemas.openxmlformats.org/drawingml/2006/main" xmlns:r="http://schemas.openxmlformats.org/officeDocument/2006/relationships" xmlns:p="http://schemas.openxmlformats.org/presentationml/2006/main">
   <p:cSld>
     <p:spTree>
@@ -5526,36 +5609,6 @@
           </a:p>
         </p:txBody>
       </p:sp>
-      <p:pic>
-        <p:nvPicPr>
-          <p:cNvPr id="5" name="Picture 4">
-            <a:extLst>
-              <a:ext uri="{FF2B5EF4-FFF2-40B4-BE49-F238E27FC236}">
-                <a16:creationId xmlns:a16="http://schemas.microsoft.com/office/drawing/2014/main" id="{D493E97E-CADE-1344-AC95-C265E876A1AF}"/>
-              </a:ext>
-            </a:extLst>
-          </p:cNvPr>
-          <p:cNvPicPr>
-            <a:picLocks noChangeAspect="1"/>
-          </p:cNvPicPr>
-          <p:nvPr/>
-        </p:nvPicPr>
-        <p:blipFill>
-          <a:blip r:embed="rId3"/>
-          <a:stretch>
-            <a:fillRect/>
-          </a:stretch>
-        </p:blipFill>
-        <p:spPr>
-          <a:xfrm>
-            <a:off x="10972005" y="5297199"/>
-            <a:ext cx="1016000" cy="1016000"/>
-          </a:xfrm>
-          <a:prstGeom prst="rect">
-            <a:avLst/>
-          </a:prstGeom>
-        </p:spPr>
-      </p:pic>
     </p:spTree>
     <p:extLst>
       <p:ext uri="{BB962C8B-B14F-4D97-AF65-F5344CB8AC3E}">
@@ -5951,7 +6004,7 @@
                   <a:schemeClr val="tx1"/>
                 </a:solidFill>
               </a:rPr>
-              <a:t>companions</a:t>
+              <a:t>Companions</a:t>
             </a:r>
           </a:p>
           <a:p>
@@ -5966,7 +6019,7 @@
                   <a:schemeClr val="tx1"/>
                 </a:solidFill>
               </a:rPr>
-              <a:t>puzzle-solving: Troll riddle, Eagle riddle, Door puzzle</a:t>
+              <a:t>Puzzle-solving: Troll riddle, Eagle riddle, Door puzzle</a:t>
             </a:r>
           </a:p>
           <a:p>
@@ -5996,7 +6049,7 @@
                   <a:schemeClr val="tx1"/>
                 </a:solidFill>
               </a:rPr>
-              <a:t>dialogue and secret reveal</a:t>
+              <a:t>Dialogue and secret reveal</a:t>
             </a:r>
           </a:p>
           <a:p>
@@ -6011,7 +6064,7 @@
                   <a:schemeClr val="tx1"/>
                 </a:solidFill>
               </a:rPr>
-              <a:t>multiple deaths (primary failure condition) </a:t>
+              <a:t>Multiple deaths (primary failure condition) </a:t>
             </a:r>
           </a:p>
           <a:p>
@@ -6332,7 +6385,7 @@
           <p:nvPr/>
         </p:nvPicPr>
         <p:blipFill>
-          <a:blip r:embed="rId2"/>
+          <a:blip r:embed="rId3"/>
           <a:stretch>
             <a:fillRect/>
           </a:stretch>
@@ -6415,6 +6468,238 @@
               </a:rPr>
               <a:t>=33918430</a:t>
             </a:r>
+          </a:p>
+        </p:txBody>
+      </p:sp>
+      <p:sp>
+        <p:nvSpPr>
+          <p:cNvPr id="19" name="Content Placeholder 2">
+            <a:extLst>
+              <a:ext uri="{FF2B5EF4-FFF2-40B4-BE49-F238E27FC236}">
+                <a16:creationId xmlns:a16="http://schemas.microsoft.com/office/drawing/2014/main" id="{A54322DF-4BD2-F846-838D-11B26315B636}"/>
+              </a:ext>
+            </a:extLst>
+          </p:cNvPr>
+          <p:cNvSpPr txBox="1">
+            <a:spLocks/>
+          </p:cNvSpPr>
+          <p:nvPr/>
+        </p:nvSpPr>
+        <p:spPr>
+          <a:xfrm>
+            <a:off x="203995" y="6349868"/>
+            <a:ext cx="9128761" cy="837267"/>
+          </a:xfrm>
+          <a:prstGeom prst="rect">
+            <a:avLst/>
+          </a:prstGeom>
+        </p:spPr>
+        <p:txBody>
+          <a:bodyPr vert="horz" lIns="91440" tIns="45720" rIns="91440" bIns="45720" rtlCol="0">
+            <a:normAutofit/>
+          </a:bodyPr>
+          <a:lstStyle>
+            <a:lvl1pPr marL="283464" indent="-283464" algn="l" defTabSz="914400" rtl="0" eaLnBrk="1" latinLnBrk="0" hangingPunct="1">
+              <a:lnSpc>
+                <a:spcPct val="112000"/>
+              </a:lnSpc>
+              <a:spcBef>
+                <a:spcPts val="900"/>
+              </a:spcBef>
+              <a:buFont typeface="Arial" panose="020B0604020202020204" pitchFamily="34" charset="0"/>
+              <a:buChar char="•"/>
+              <a:defRPr sz="2000" kern="1200" baseline="0">
+                <a:solidFill>
+                  <a:schemeClr val="tx1">
+                    <a:lumMod val="85000"/>
+                    <a:lumOff val="15000"/>
+                  </a:schemeClr>
+                </a:solidFill>
+                <a:latin typeface="+mn-lt"/>
+                <a:ea typeface="+mn-ea"/>
+                <a:cs typeface="+mn-cs"/>
+              </a:defRPr>
+            </a:lvl1pPr>
+            <a:lvl2pPr marL="685800" indent="-283464" algn="l" defTabSz="914400" rtl="0" eaLnBrk="1" latinLnBrk="0" hangingPunct="1">
+              <a:lnSpc>
+                <a:spcPct val="112000"/>
+              </a:lnSpc>
+              <a:spcBef>
+                <a:spcPts val="900"/>
+              </a:spcBef>
+              <a:buFont typeface="Corbel" panose="020B0503020204020204" pitchFamily="34" charset="0"/>
+              <a:buChar char="–"/>
+              <a:defRPr sz="1800" kern="1200" baseline="0">
+                <a:solidFill>
+                  <a:schemeClr val="tx1">
+                    <a:lumMod val="85000"/>
+                    <a:lumOff val="15000"/>
+                  </a:schemeClr>
+                </a:solidFill>
+                <a:latin typeface="+mn-lt"/>
+                <a:ea typeface="+mn-ea"/>
+                <a:cs typeface="+mn-cs"/>
+              </a:defRPr>
+            </a:lvl2pPr>
+            <a:lvl3pPr marL="1143000" indent="-283464" algn="l" defTabSz="914400" rtl="0" eaLnBrk="1" latinLnBrk="0" hangingPunct="1">
+              <a:lnSpc>
+                <a:spcPct val="112000"/>
+              </a:lnSpc>
+              <a:spcBef>
+                <a:spcPts val="900"/>
+              </a:spcBef>
+              <a:buFont typeface="Arial" panose="020B0604020202020204" pitchFamily="34" charset="0"/>
+              <a:buChar char="•"/>
+              <a:defRPr sz="1600" kern="1200" baseline="0">
+                <a:solidFill>
+                  <a:schemeClr val="tx1">
+                    <a:lumMod val="85000"/>
+                    <a:lumOff val="15000"/>
+                  </a:schemeClr>
+                </a:solidFill>
+                <a:latin typeface="+mn-lt"/>
+                <a:ea typeface="+mn-ea"/>
+                <a:cs typeface="+mn-cs"/>
+              </a:defRPr>
+            </a:lvl3pPr>
+            <a:lvl4pPr marL="1600200" indent="-283464" algn="l" defTabSz="914400" rtl="0" eaLnBrk="1" latinLnBrk="0" hangingPunct="1">
+              <a:lnSpc>
+                <a:spcPct val="112000"/>
+              </a:lnSpc>
+              <a:spcBef>
+                <a:spcPts val="900"/>
+              </a:spcBef>
+              <a:buFont typeface="Corbel" panose="020B0503020204020204" pitchFamily="34" charset="0"/>
+              <a:buChar char="–"/>
+              <a:defRPr sz="1400" kern="1200" baseline="0">
+                <a:solidFill>
+                  <a:schemeClr val="tx1">
+                    <a:lumMod val="85000"/>
+                    <a:lumOff val="15000"/>
+                  </a:schemeClr>
+                </a:solidFill>
+                <a:latin typeface="+mn-lt"/>
+                <a:ea typeface="+mn-ea"/>
+                <a:cs typeface="+mn-cs"/>
+              </a:defRPr>
+            </a:lvl4pPr>
+            <a:lvl5pPr marL="2057400" indent="-283464" algn="l" defTabSz="914400" rtl="0" eaLnBrk="1" latinLnBrk="0" hangingPunct="1">
+              <a:lnSpc>
+                <a:spcPct val="112000"/>
+              </a:lnSpc>
+              <a:spcBef>
+                <a:spcPts val="900"/>
+              </a:spcBef>
+              <a:buFont typeface="Arial" panose="020B0604020202020204" pitchFamily="34" charset="0"/>
+              <a:buChar char="•"/>
+              <a:defRPr sz="1400" i="1" kern="1200" baseline="0">
+                <a:solidFill>
+                  <a:schemeClr val="tx1">
+                    <a:lumMod val="85000"/>
+                    <a:lumOff val="15000"/>
+                  </a:schemeClr>
+                </a:solidFill>
+                <a:latin typeface="+mn-lt"/>
+                <a:ea typeface="+mn-ea"/>
+                <a:cs typeface="+mn-cs"/>
+              </a:defRPr>
+            </a:lvl5pPr>
+            <a:lvl6pPr marL="2514600" indent="-283464" algn="l" defTabSz="914400" rtl="0" eaLnBrk="1" latinLnBrk="0" hangingPunct="1">
+              <a:lnSpc>
+                <a:spcPct val="112000"/>
+              </a:lnSpc>
+              <a:spcBef>
+                <a:spcPts val="1300"/>
+              </a:spcBef>
+              <a:buFont typeface="Corbel" panose="020B0503020204020204" pitchFamily="34" charset="0"/>
+              <a:buChar char="–"/>
+              <a:defRPr sz="1400" kern="1200">
+                <a:solidFill>
+                  <a:schemeClr val="tx1">
+                    <a:lumMod val="85000"/>
+                    <a:lumOff val="15000"/>
+                  </a:schemeClr>
+                </a:solidFill>
+                <a:latin typeface="+mn-lt"/>
+                <a:ea typeface="+mn-ea"/>
+                <a:cs typeface="+mn-cs"/>
+              </a:defRPr>
+            </a:lvl6pPr>
+            <a:lvl7pPr marL="2971800" indent="-283464" algn="l" defTabSz="914400" rtl="0" eaLnBrk="1" latinLnBrk="0" hangingPunct="1">
+              <a:lnSpc>
+                <a:spcPct val="112000"/>
+              </a:lnSpc>
+              <a:spcBef>
+                <a:spcPts val="1300"/>
+              </a:spcBef>
+              <a:buFont typeface="Arial" panose="020B0604020202020204" pitchFamily="34" charset="0"/>
+              <a:buChar char="•"/>
+              <a:defRPr sz="1400" i="1" kern="1200">
+                <a:solidFill>
+                  <a:schemeClr val="tx1">
+                    <a:lumMod val="85000"/>
+                    <a:lumOff val="15000"/>
+                  </a:schemeClr>
+                </a:solidFill>
+                <a:latin typeface="+mn-lt"/>
+                <a:ea typeface="+mn-ea"/>
+                <a:cs typeface="+mn-cs"/>
+              </a:defRPr>
+            </a:lvl7pPr>
+            <a:lvl8pPr marL="3429000" indent="-283464" algn="l" defTabSz="914400" rtl="0" eaLnBrk="1" latinLnBrk="0" hangingPunct="1">
+              <a:lnSpc>
+                <a:spcPct val="112000"/>
+              </a:lnSpc>
+              <a:spcBef>
+                <a:spcPts val="1300"/>
+              </a:spcBef>
+              <a:buFont typeface="Corbel" panose="020B0503020204020204" pitchFamily="34" charset="0"/>
+              <a:buChar char="–"/>
+              <a:defRPr sz="1400" kern="1200">
+                <a:solidFill>
+                  <a:schemeClr val="tx1">
+                    <a:lumMod val="85000"/>
+                    <a:lumOff val="15000"/>
+                  </a:schemeClr>
+                </a:solidFill>
+                <a:latin typeface="+mn-lt"/>
+                <a:ea typeface="+mn-ea"/>
+                <a:cs typeface="+mn-cs"/>
+              </a:defRPr>
+            </a:lvl8pPr>
+            <a:lvl9pPr marL="3886200" indent="-283464" algn="l" defTabSz="914400" rtl="0" eaLnBrk="1" latinLnBrk="0" hangingPunct="1">
+              <a:lnSpc>
+                <a:spcPct val="112000"/>
+              </a:lnSpc>
+              <a:spcBef>
+                <a:spcPts val="1300"/>
+              </a:spcBef>
+              <a:buFont typeface="Arial" panose="020B0604020202020204" pitchFamily="34" charset="0"/>
+              <a:buChar char="•"/>
+              <a:defRPr sz="1400" i="1" kern="1200" baseline="0">
+                <a:solidFill>
+                  <a:schemeClr val="tx1">
+                    <a:lumMod val="85000"/>
+                    <a:lumOff val="15000"/>
+                  </a:schemeClr>
+                </a:solidFill>
+                <a:latin typeface="+mn-lt"/>
+                <a:ea typeface="+mn-ea"/>
+                <a:cs typeface="+mn-cs"/>
+              </a:defRPr>
+            </a:lvl9pPr>
+          </a:lstStyle>
+          <a:p>
+            <a:r>
+              <a:rPr lang="en-AU" dirty="0">
+                <a:hlinkClick r:id="rId4"/>
+              </a:rPr>
+              <a:t>https://en.wikipedia.org/wiki/Adventure_Gamers</a:t>
+            </a:r>
+            <a:endParaRPr lang="en-AU" dirty="0"/>
+          </a:p>
+          <a:p>
+            <a:endParaRPr lang="en-AU" dirty="0"/>
           </a:p>
         </p:txBody>
       </p:sp>
@@ -6755,7 +7040,7 @@
                   <a:schemeClr val="tx2"/>
                 </a:solidFill>
               </a:rPr>
-              <a:t>Control_Flow</a:t>
+              <a:t>GAME_Flow</a:t>
             </a:r>
             <a:endParaRPr lang="en-US" sz="4000" cap="all" dirty="0">
               <a:solidFill>
@@ -8503,501 +8788,6 @@
     <p:extLst>
       <p:ext uri="{BB962C8B-B14F-4D97-AF65-F5344CB8AC3E}">
         <p14:creationId xmlns:p14="http://schemas.microsoft.com/office/powerpoint/2010/main" val="4217107909"/>
-      </p:ext>
-    </p:extLst>
-  </p:cSld>
-  <p:clrMapOvr>
-    <a:masterClrMapping/>
-  </p:clrMapOvr>
-</p:sld>
-</file>
-
-<file path=ppt/slides/slide6.xml><?xml version="1.0" encoding="utf-8"?>
-<p:sld xmlns:a="http://schemas.openxmlformats.org/drawingml/2006/main" xmlns:r="http://schemas.openxmlformats.org/officeDocument/2006/relationships" xmlns:p="http://schemas.openxmlformats.org/presentationml/2006/main">
-  <p:cSld>
-    <p:bg>
-      <p:bgPr>
-        <a:solidFill>
-          <a:schemeClr val="bg2"/>
-        </a:solidFill>
-        <a:effectLst/>
-      </p:bgPr>
-    </p:bg>
-    <p:spTree>
-      <p:nvGrpSpPr>
-        <p:cNvPr id="1" name=""/>
-        <p:cNvGrpSpPr/>
-        <p:nvPr/>
-      </p:nvGrpSpPr>
-      <p:grpSpPr>
-        <a:xfrm>
-          <a:off x="0" y="0"/>
-          <a:ext cx="0" cy="0"/>
-          <a:chOff x="0" y="0"/>
-          <a:chExt cx="0" cy="0"/>
-        </a:xfrm>
-      </p:grpSpPr>
-      <p:sp useBgFill="1">
-        <p:nvSpPr>
-          <p:cNvPr id="9" name="Rectangle 8">
-            <a:extLst>
-              <a:ext uri="{FF2B5EF4-FFF2-40B4-BE49-F238E27FC236}">
-                <a16:creationId xmlns:a16="http://schemas.microsoft.com/office/drawing/2014/main" id="{4281BC32-FF58-4898-A6B5-7B3D059BCEB0}"/>
-              </a:ext>
-              <a:ext uri="{C183D7F6-B498-43B3-948B-1728B52AA6E4}">
-                <adec:decorative xmlns:adec="http://schemas.microsoft.com/office/drawing/2017/decorative" val="1"/>
-              </a:ext>
-            </a:extLst>
-          </p:cNvPr>
-          <p:cNvSpPr>
-            <a:spLocks noGrp="1" noRot="1" noChangeAspect="1" noMove="1" noResize="1" noEditPoints="1" noAdjustHandles="1" noChangeArrowheads="1" noChangeShapeType="1" noTextEdit="1"/>
-          </p:cNvSpPr>
-          <p:nvPr>
-            <p:extLst>
-              <p:ext uri="{386F3935-93C4-4BCD-93E2-E3B085C9AB24}">
-                <p16:designElem xmlns:p16="http://schemas.microsoft.com/office/powerpoint/2015/main" val="1"/>
-              </p:ext>
-            </p:extLst>
-          </p:nvPr>
-        </p:nvSpPr>
-        <p:spPr>
-          <a:xfrm>
-            <a:off x="0" y="0"/>
-            <a:ext cx="12192000" cy="6858000"/>
-          </a:xfrm>
-          <a:prstGeom prst="rect">
-            <a:avLst/>
-          </a:prstGeom>
-          <a:ln>
-            <a:noFill/>
-          </a:ln>
-        </p:spPr>
-        <p:style>
-          <a:lnRef idx="2">
-            <a:schemeClr val="accent1">
-              <a:shade val="50000"/>
-            </a:schemeClr>
-          </a:lnRef>
-          <a:fillRef idx="1">
-            <a:schemeClr val="accent1"/>
-          </a:fillRef>
-          <a:effectRef idx="0">
-            <a:schemeClr val="accent1"/>
-          </a:effectRef>
-          <a:fontRef idx="minor">
-            <a:schemeClr val="lt1"/>
-          </a:fontRef>
-        </p:style>
-        <p:txBody>
-          <a:bodyPr rtlCol="0" anchor="ctr"/>
-          <a:lstStyle/>
-          <a:p>
-            <a:pPr algn="ctr"/>
-            <a:endParaRPr lang="en-US"/>
-          </a:p>
-        </p:txBody>
-      </p:sp>
-      <p:sp>
-        <p:nvSpPr>
-          <p:cNvPr id="11" name="Rectangle 10">
-            <a:extLst>
-              <a:ext uri="{FF2B5EF4-FFF2-40B4-BE49-F238E27FC236}">
-                <a16:creationId xmlns:a16="http://schemas.microsoft.com/office/drawing/2014/main" id="{0D614406-135F-4875-9C87-53822CB19ABB}"/>
-              </a:ext>
-              <a:ext uri="{C183D7F6-B498-43B3-948B-1728B52AA6E4}">
-                <adec:decorative xmlns:adec="http://schemas.microsoft.com/office/drawing/2017/decorative" val="1"/>
-              </a:ext>
-            </a:extLst>
-          </p:cNvPr>
-          <p:cNvSpPr>
-            <a:spLocks noGrp="1" noRot="1" noChangeAspect="1" noMove="1" noResize="1" noEditPoints="1" noAdjustHandles="1" noChangeArrowheads="1" noChangeShapeType="1" noTextEdit="1"/>
-          </p:cNvSpPr>
-          <p:nvPr>
-            <p:extLst>
-              <p:ext uri="{386F3935-93C4-4BCD-93E2-E3B085C9AB24}">
-                <p16:designElem xmlns:p16="http://schemas.microsoft.com/office/powerpoint/2015/main" val="1"/>
-              </p:ext>
-            </p:extLst>
-          </p:nvPr>
-        </p:nvSpPr>
-        <p:spPr>
-          <a:xfrm>
-            <a:off x="0" y="0"/>
-            <a:ext cx="12191999" cy="2285999"/>
-          </a:xfrm>
-          <a:prstGeom prst="rect">
-            <a:avLst/>
-          </a:prstGeom>
-          <a:solidFill>
-            <a:schemeClr val="tx1"/>
-          </a:solidFill>
-          <a:ln>
-            <a:noFill/>
-          </a:ln>
-        </p:spPr>
-        <p:style>
-          <a:lnRef idx="2">
-            <a:schemeClr val="accent1">
-              <a:shade val="50000"/>
-            </a:schemeClr>
-          </a:lnRef>
-          <a:fillRef idx="1">
-            <a:schemeClr val="accent1"/>
-          </a:fillRef>
-          <a:effectRef idx="0">
-            <a:schemeClr val="accent1"/>
-          </a:effectRef>
-          <a:fontRef idx="minor">
-            <a:schemeClr val="lt1"/>
-          </a:fontRef>
-        </p:style>
-        <p:txBody>
-          <a:bodyPr rtlCol="0" anchor="ctr"/>
-          <a:lstStyle/>
-          <a:p>
-            <a:pPr algn="ctr"/>
-            <a:endParaRPr lang="en-US"/>
-          </a:p>
-        </p:txBody>
-      </p:sp>
-      <p:sp>
-        <p:nvSpPr>
-          <p:cNvPr id="2" name="Title 1"/>
-          <p:cNvSpPr>
-            <a:spLocks noGrp="1"/>
-          </p:cNvSpPr>
-          <p:nvPr>
-            <p:ph type="title"/>
-          </p:nvPr>
-        </p:nvSpPr>
-        <p:spPr>
-          <a:xfrm>
-            <a:off x="960120" y="434101"/>
-            <a:ext cx="7169753" cy="1232750"/>
-          </a:xfrm>
-        </p:spPr>
-        <p:txBody>
-          <a:bodyPr anchor="b">
-            <a:normAutofit/>
-          </a:bodyPr>
-          <a:lstStyle/>
-          <a:p>
-            <a:r>
-              <a:rPr lang="en-US">
-                <a:solidFill>
-                  <a:schemeClr val="bg1"/>
-                </a:solidFill>
-              </a:rPr>
-              <a:t>Works cited</a:t>
-            </a:r>
-          </a:p>
-        </p:txBody>
-      </p:sp>
-      <p:cxnSp>
-        <p:nvCxnSpPr>
-          <p:cNvPr id="13" name="Straight Connector 12">
-            <a:extLst>
-              <a:ext uri="{FF2B5EF4-FFF2-40B4-BE49-F238E27FC236}">
-                <a16:creationId xmlns:a16="http://schemas.microsoft.com/office/drawing/2014/main" id="{C6C21149-7D17-44C2-AFB6-4D931DC55FB1}"/>
-              </a:ext>
-              <a:ext uri="{C183D7F6-B498-43B3-948B-1728B52AA6E4}">
-                <adec:decorative xmlns:adec="http://schemas.microsoft.com/office/drawing/2017/decorative" val="1"/>
-              </a:ext>
-            </a:extLst>
-          </p:cNvPr>
-          <p:cNvCxnSpPr>
-            <a:cxnSpLocks noGrp="1" noRot="1" noChangeAspect="1" noMove="1" noResize="1" noEditPoints="1" noAdjustHandles="1" noChangeArrowheads="1" noChangeShapeType="1"/>
-          </p:cNvCxnSpPr>
-          <p:nvPr>
-            <p:extLst>
-              <p:ext uri="{386F3935-93C4-4BCD-93E2-E3B085C9AB24}">
-                <p16:designElem xmlns:p16="http://schemas.microsoft.com/office/powerpoint/2015/main" val="1"/>
-              </p:ext>
-            </p:extLst>
-          </p:nvPr>
-        </p:nvCxnSpPr>
-        <p:spPr>
-          <a:xfrm>
-            <a:off x="0" y="1676579"/>
-            <a:ext cx="8129873" cy="6020"/>
-          </a:xfrm>
-          <a:prstGeom prst="line">
-            <a:avLst/>
-          </a:prstGeom>
-          <a:ln w="25400">
-            <a:solidFill>
-              <a:schemeClr val="bg1"/>
-            </a:solidFill>
-          </a:ln>
-        </p:spPr>
-        <p:style>
-          <a:lnRef idx="1">
-            <a:schemeClr val="accent1"/>
-          </a:lnRef>
-          <a:fillRef idx="0">
-            <a:schemeClr val="accent1"/>
-          </a:fillRef>
-          <a:effectRef idx="0">
-            <a:schemeClr val="accent1"/>
-          </a:effectRef>
-          <a:fontRef idx="minor">
-            <a:schemeClr val="tx1"/>
-          </a:fontRef>
-        </p:style>
-      </p:cxnSp>
-      <p:sp>
-        <p:nvSpPr>
-          <p:cNvPr id="15" name="Freeform 6">
-            <a:extLst>
-              <a:ext uri="{FF2B5EF4-FFF2-40B4-BE49-F238E27FC236}">
-                <a16:creationId xmlns:a16="http://schemas.microsoft.com/office/drawing/2014/main" id="{C2E5FCF0-567A-448C-A6E3-920BFC702C2F}"/>
-              </a:ext>
-              <a:ext uri="{C183D7F6-B498-43B3-948B-1728B52AA6E4}">
-                <adec:decorative xmlns:adec="http://schemas.microsoft.com/office/drawing/2017/decorative" val="1"/>
-              </a:ext>
-            </a:extLst>
-          </p:cNvPr>
-          <p:cNvSpPr>
-            <a:spLocks noGrp="1" noRot="1" noChangeAspect="1" noMove="1" noResize="1" noEditPoints="1" noAdjustHandles="1" noChangeArrowheads="1" noChangeShapeType="1" noTextEdit="1"/>
-          </p:cNvSpPr>
-          <p:nvPr>
-            <p:extLst>
-              <p:ext uri="{386F3935-93C4-4BCD-93E2-E3B085C9AB24}">
-                <p16:designElem xmlns:p16="http://schemas.microsoft.com/office/powerpoint/2015/main" val="1"/>
-              </p:ext>
-            </p:extLst>
-          </p:nvPr>
-        </p:nvSpPr>
-        <p:spPr bwMode="auto">
-          <a:xfrm>
-            <a:off x="11784011" y="938535"/>
-            <a:ext cx="407988" cy="819150"/>
-          </a:xfrm>
-          <a:custGeom>
-            <a:avLst/>
-            <a:gdLst/>
-            <a:ahLst/>
-            <a:cxnLst/>
-            <a:rect l="0" t="0" r="r" b="b"/>
-            <a:pathLst>
-              <a:path w="1799" h="3612">
-                <a:moveTo>
-                  <a:pt x="1799" y="0"/>
-                </a:moveTo>
-                <a:lnTo>
-                  <a:pt x="1799" y="3612"/>
-                </a:lnTo>
-                <a:lnTo>
-                  <a:pt x="1686" y="3609"/>
-                </a:lnTo>
-                <a:lnTo>
-                  <a:pt x="1574" y="3598"/>
-                </a:lnTo>
-                <a:lnTo>
-                  <a:pt x="1464" y="3581"/>
-                </a:lnTo>
-                <a:lnTo>
-                  <a:pt x="1357" y="3557"/>
-                </a:lnTo>
-                <a:lnTo>
-                  <a:pt x="1251" y="3527"/>
-                </a:lnTo>
-                <a:lnTo>
-                  <a:pt x="1150" y="3490"/>
-                </a:lnTo>
-                <a:lnTo>
-                  <a:pt x="1050" y="3448"/>
-                </a:lnTo>
-                <a:lnTo>
-                  <a:pt x="953" y="3401"/>
-                </a:lnTo>
-                <a:lnTo>
-                  <a:pt x="860" y="3347"/>
-                </a:lnTo>
-                <a:lnTo>
-                  <a:pt x="771" y="3289"/>
-                </a:lnTo>
-                <a:lnTo>
-                  <a:pt x="686" y="3224"/>
-                </a:lnTo>
-                <a:lnTo>
-                  <a:pt x="604" y="3156"/>
-                </a:lnTo>
-                <a:lnTo>
-                  <a:pt x="527" y="3083"/>
-                </a:lnTo>
-                <a:lnTo>
-                  <a:pt x="454" y="3005"/>
-                </a:lnTo>
-                <a:lnTo>
-                  <a:pt x="386" y="2923"/>
-                </a:lnTo>
-                <a:lnTo>
-                  <a:pt x="323" y="2838"/>
-                </a:lnTo>
-                <a:lnTo>
-                  <a:pt x="265" y="2748"/>
-                </a:lnTo>
-                <a:lnTo>
-                  <a:pt x="211" y="2655"/>
-                </a:lnTo>
-                <a:lnTo>
-                  <a:pt x="163" y="2559"/>
-                </a:lnTo>
-                <a:lnTo>
-                  <a:pt x="121" y="2459"/>
-                </a:lnTo>
-                <a:lnTo>
-                  <a:pt x="85" y="2356"/>
-                </a:lnTo>
-                <a:lnTo>
-                  <a:pt x="55" y="2251"/>
-                </a:lnTo>
-                <a:lnTo>
-                  <a:pt x="32" y="2143"/>
-                </a:lnTo>
-                <a:lnTo>
-                  <a:pt x="14" y="2033"/>
-                </a:lnTo>
-                <a:lnTo>
-                  <a:pt x="4" y="1920"/>
-                </a:lnTo>
-                <a:lnTo>
-                  <a:pt x="0" y="1806"/>
-                </a:lnTo>
-                <a:lnTo>
-                  <a:pt x="4" y="1692"/>
-                </a:lnTo>
-                <a:lnTo>
-                  <a:pt x="14" y="1580"/>
-                </a:lnTo>
-                <a:lnTo>
-                  <a:pt x="32" y="1469"/>
-                </a:lnTo>
-                <a:lnTo>
-                  <a:pt x="55" y="1362"/>
-                </a:lnTo>
-                <a:lnTo>
-                  <a:pt x="85" y="1256"/>
-                </a:lnTo>
-                <a:lnTo>
-                  <a:pt x="121" y="1154"/>
-                </a:lnTo>
-                <a:lnTo>
-                  <a:pt x="163" y="1054"/>
-                </a:lnTo>
-                <a:lnTo>
-                  <a:pt x="211" y="958"/>
-                </a:lnTo>
-                <a:lnTo>
-                  <a:pt x="265" y="864"/>
-                </a:lnTo>
-                <a:lnTo>
-                  <a:pt x="323" y="774"/>
-                </a:lnTo>
-                <a:lnTo>
-                  <a:pt x="386" y="689"/>
-                </a:lnTo>
-                <a:lnTo>
-                  <a:pt x="454" y="607"/>
-                </a:lnTo>
-                <a:lnTo>
-                  <a:pt x="527" y="529"/>
-                </a:lnTo>
-                <a:lnTo>
-                  <a:pt x="604" y="456"/>
-                </a:lnTo>
-                <a:lnTo>
-                  <a:pt x="686" y="388"/>
-                </a:lnTo>
-                <a:lnTo>
-                  <a:pt x="771" y="325"/>
-                </a:lnTo>
-                <a:lnTo>
-                  <a:pt x="860" y="266"/>
-                </a:lnTo>
-                <a:lnTo>
-                  <a:pt x="953" y="212"/>
-                </a:lnTo>
-                <a:lnTo>
-                  <a:pt x="1050" y="164"/>
-                </a:lnTo>
-                <a:lnTo>
-                  <a:pt x="1150" y="122"/>
-                </a:lnTo>
-                <a:lnTo>
-                  <a:pt x="1251" y="85"/>
-                </a:lnTo>
-                <a:lnTo>
-                  <a:pt x="1357" y="55"/>
-                </a:lnTo>
-                <a:lnTo>
-                  <a:pt x="1464" y="32"/>
-                </a:lnTo>
-                <a:lnTo>
-                  <a:pt x="1574" y="14"/>
-                </a:lnTo>
-                <a:lnTo>
-                  <a:pt x="1686" y="5"/>
-                </a:lnTo>
-                <a:lnTo>
-                  <a:pt x="1799" y="0"/>
-                </a:lnTo>
-                <a:close/>
-              </a:path>
-            </a:pathLst>
-          </a:custGeom>
-          <a:solidFill>
-            <a:schemeClr val="bg2"/>
-          </a:solidFill>
-          <a:ln w="0">
-            <a:noFill/>
-            <a:prstDash val="solid"/>
-            <a:round/>
-            <a:headEnd/>
-            <a:tailEnd/>
-          </a:ln>
-        </p:spPr>
-      </p:sp>
-      <p:sp>
-        <p:nvSpPr>
-          <p:cNvPr id="3" name="Content Placeholder 2"/>
-          <p:cNvSpPr>
-            <a:spLocks noGrp="1"/>
-          </p:cNvSpPr>
-          <p:nvPr>
-            <p:ph type="body" idx="1"/>
-          </p:nvPr>
-        </p:nvSpPr>
-        <p:spPr>
-          <a:xfrm>
-            <a:off x="960119" y="2942252"/>
-            <a:ext cx="9128761" cy="837267"/>
-          </a:xfrm>
-        </p:spPr>
-        <p:txBody>
-          <a:bodyPr>
-            <a:normAutofit/>
-          </a:bodyPr>
-          <a:lstStyle/>
-          <a:p>
-            <a:r>
-              <a:rPr lang="en-AU" dirty="0">
-                <a:hlinkClick r:id="rId2"/>
-              </a:rPr>
-              <a:t>https://en.wikipedia.org/wiki/Adventure_Gamers</a:t>
-            </a:r>
-            <a:endParaRPr lang="en-AU" dirty="0"/>
-          </a:p>
-          <a:p>
-            <a:endParaRPr dirty="0"/>
-          </a:p>
-        </p:txBody>
-      </p:sp>
-    </p:spTree>
-    <p:extLst>
-      <p:ext uri="{BB962C8B-B14F-4D97-AF65-F5344CB8AC3E}">
-        <p14:creationId xmlns:p14="http://schemas.microsoft.com/office/powerpoint/2010/main" val="1601312480"/>
       </p:ext>
     </p:extLst>
   </p:cSld>
